--- a/APRESENTAÇÃOBD.pptx
+++ b/APRESENTAÇÃOBD.pptx
@@ -131,6 +131,11 @@
       </a:defRPr>
     </a:lvl9pPr>
   </p:defaultTextStyle>
+  <p:extLst>
+    <p:ext uri="{EFAFB233-063F-42B5-8137-9DF3F51BA10A}">
+      <p15:sldGuideLst xmlns:p15="http://schemas.microsoft.com/office/powerpoint/2012/main"/>
+    </p:ext>
+  </p:extLst>
 </p:presentation>
 </file>
 
@@ -12950,7 +12955,7 @@
           <a:p>
             <a:r>
               <a:rPr lang="pt-PT" dirty="0"/>
-              <a:t>IREMOS TER 6 TABELAS : UMA PARA CADA ENTIDADE E UMA TABELAPARA O ATRIBUTO MULTIVALORADO LUGAR</a:t>
+              <a:t>IREMOS TER 6 TABELAS : UMA PARA CADA ENTIDADE E UMA TABELA PARA O ATRIBUTO MULTIVALORADO LUGAR</a:t>
             </a:r>
           </a:p>
         </p:txBody>
@@ -20377,7 +20382,7 @@
           <a:p>
             <a:r>
               <a:rPr lang="pt-PT" dirty="0"/>
-              <a:t>NÚMERO DO BILHETE</a:t>
+              <a:t>NÚMERO DO LUGAR</a:t>
             </a:r>
           </a:p>
           <a:p>

--- a/APRESENTAÇÃOBD.pptx
+++ b/APRESENTAÇÃOBD.pptx
@@ -3873,7 +3873,7 @@
           <a:p>
             <a:fld id="{A4A0FE17-4911-834C-9F00-156F162B689E}" type="datetimeFigureOut">
               <a:rPr lang="pt-PT" smtClean="0"/>
-              <a:t>27/01/21</a:t>
+              <a:t>28/01/21</a:t>
             </a:fld>
             <a:endParaRPr lang="pt-PT"/>
           </a:p>
@@ -4885,7 +4885,7 @@
           <a:p>
             <a:fld id="{987D07D1-429D-EF49-851E-7A1006ECEF47}" type="datetime1">
               <a:rPr lang="pt-PT" smtClean="0"/>
-              <a:t>27/01/21</a:t>
+              <a:t>28/01/21</a:t>
             </a:fld>
             <a:endParaRPr lang="en-US" dirty="0"/>
           </a:p>
@@ -5141,7 +5141,7 @@
           <a:p>
             <a:fld id="{2AEEE8BD-BF99-574B-BA43-D5C60EC77BA5}" type="datetime1">
               <a:rPr lang="pt-PT" smtClean="0"/>
-              <a:t>27/01/21</a:t>
+              <a:t>28/01/21</a:t>
             </a:fld>
             <a:endParaRPr lang="en-US" dirty="0"/>
           </a:p>
@@ -5460,7 +5460,7 @@
           <a:p>
             <a:fld id="{65035BD0-323E-F14B-9013-DA15B392F7A0}" type="datetime1">
               <a:rPr lang="pt-PT" smtClean="0"/>
-              <a:t>27/01/21</a:t>
+              <a:t>28/01/21</a:t>
             </a:fld>
             <a:endParaRPr lang="en-US" dirty="0"/>
           </a:p>
@@ -5798,7 +5798,7 @@
           <a:p>
             <a:fld id="{9ED7B167-DBDA-D04E-9BF5-830EA3739594}" type="datetime1">
               <a:rPr lang="pt-PT" smtClean="0"/>
-              <a:t>27/01/21</a:t>
+              <a:t>28/01/21</a:t>
             </a:fld>
             <a:endParaRPr lang="en-US" dirty="0"/>
           </a:p>
@@ -6117,7 +6117,7 @@
           <a:p>
             <a:fld id="{ABE750DB-E29A-EA4C-BB27-243B9E7A0F90}" type="datetime1">
               <a:rPr lang="pt-PT" smtClean="0"/>
-              <a:t>27/01/21</a:t>
+              <a:t>28/01/21</a:t>
             </a:fld>
             <a:endParaRPr lang="en-US" dirty="0"/>
           </a:p>
@@ -6515,7 +6515,7 @@
           <a:p>
             <a:fld id="{E204CE20-35F6-8E49-9C87-81FD658F691B}" type="datetime1">
               <a:rPr lang="pt-PT" smtClean="0"/>
-              <a:t>27/01/21</a:t>
+              <a:t>28/01/21</a:t>
             </a:fld>
             <a:endParaRPr lang="en-US" dirty="0"/>
           </a:p>
@@ -6690,7 +6690,7 @@
           <a:p>
             <a:fld id="{9756C255-9D1B-8148-889C-DD6E9AE4F152}" type="datetime1">
               <a:rPr lang="pt-PT" smtClean="0"/>
-              <a:t>27/01/21</a:t>
+              <a:t>28/01/21</a:t>
             </a:fld>
             <a:endParaRPr lang="en-US" dirty="0"/>
           </a:p>
@@ -6875,7 +6875,7 @@
           <a:p>
             <a:fld id="{90C79A24-4262-A144-A015-26514C7F3C9D}" type="datetime1">
               <a:rPr lang="pt-PT" smtClean="0"/>
-              <a:t>27/01/21</a:t>
+              <a:t>28/01/21</a:t>
             </a:fld>
             <a:endParaRPr lang="en-US" dirty="0"/>
           </a:p>
@@ -7050,7 +7050,7 @@
           <a:p>
             <a:fld id="{A8FB0B0F-4AA1-A543-A4A6-EE8C3CC23C8E}" type="datetime1">
               <a:rPr lang="pt-PT" smtClean="0"/>
-              <a:t>27/01/21</a:t>
+              <a:t>28/01/21</a:t>
             </a:fld>
             <a:endParaRPr lang="en-US" dirty="0"/>
           </a:p>
@@ -7302,7 +7302,7 @@
           <a:p>
             <a:fld id="{4B6D1CE3-CCA2-E440-AC57-3CF9125A601D}" type="datetime1">
               <a:rPr lang="pt-PT" smtClean="0"/>
-              <a:t>27/01/21</a:t>
+              <a:t>28/01/21</a:t>
             </a:fld>
             <a:endParaRPr lang="en-US" dirty="0"/>
           </a:p>
@@ -7539,7 +7539,7 @@
           <a:p>
             <a:fld id="{0F9411A0-98F0-3145-9D14-0B659B048833}" type="datetime1">
               <a:rPr lang="pt-PT" smtClean="0"/>
-              <a:t>27/01/21</a:t>
+              <a:t>28/01/21</a:t>
             </a:fld>
             <a:endParaRPr lang="en-US" dirty="0"/>
           </a:p>
@@ -7918,7 +7918,7 @@
           <a:p>
             <a:fld id="{7B74D364-0812-1D43-BF5B-960B5FB2AEFA}" type="datetime1">
               <a:rPr lang="pt-PT" smtClean="0"/>
-              <a:t>27/01/21</a:t>
+              <a:t>28/01/21</a:t>
             </a:fld>
             <a:endParaRPr lang="en-US" dirty="0"/>
           </a:p>
@@ -8046,7 +8046,7 @@
           <a:p>
             <a:fld id="{54BCCB52-8AF4-864D-B931-A69438CEBB60}" type="datetime1">
               <a:rPr lang="pt-PT" smtClean="0"/>
-              <a:t>27/01/21</a:t>
+              <a:t>28/01/21</a:t>
             </a:fld>
             <a:endParaRPr lang="en-US" dirty="0"/>
           </a:p>
@@ -8146,7 +8146,7 @@
           <a:p>
             <a:fld id="{9187F96F-2D31-7540-BAF7-BD8B6482BFF8}" type="datetime1">
               <a:rPr lang="pt-PT" smtClean="0"/>
-              <a:t>27/01/21</a:t>
+              <a:t>28/01/21</a:t>
             </a:fld>
             <a:endParaRPr lang="en-US" dirty="0"/>
           </a:p>
@@ -8406,7 +8406,7 @@
           <a:p>
             <a:fld id="{2128924B-6B98-C54A-9412-6E506DA8FC93}" type="datetime1">
               <a:rPr lang="pt-PT" smtClean="0"/>
-              <a:t>27/01/21</a:t>
+              <a:t>28/01/21</a:t>
             </a:fld>
             <a:endParaRPr lang="en-US" dirty="0"/>
           </a:p>
@@ -8721,7 +8721,7 @@
           <a:p>
             <a:fld id="{64465BC3-7918-9541-8625-B2D8F2CB6CEF}" type="datetime1">
               <a:rPr lang="pt-PT" smtClean="0"/>
-              <a:t>27/01/21</a:t>
+              <a:t>28/01/21</a:t>
             </a:fld>
             <a:endParaRPr lang="en-US" dirty="0"/>
           </a:p>
@@ -9423,7 +9423,7 @@
           <a:p>
             <a:fld id="{17D97088-5092-C845-837B-F62EBC6EBAAE}" type="datetime1">
               <a:rPr lang="pt-PT" smtClean="0"/>
-              <a:t>27/01/21</a:t>
+              <a:t>28/01/21</a:t>
             </a:fld>
             <a:endParaRPr lang="en-US" dirty="0"/>
           </a:p>
@@ -11440,13 +11440,13 @@
           <a:p>
             <a:r>
               <a:rPr lang="en-US" dirty="0"/>
-              <a:t>              Teixeira B., Carvalho C., Guedes J., Vieira L, Base de Dado</a:t>
+              <a:t>              Teixeira B., Carvalho C., Guedes J., Vieira L, Base de Dados</a:t>
             </a:r>
           </a:p>
           <a:p>
             <a:r>
               <a:rPr lang="en-US" dirty="0"/>
-              <a:t>s                                                       </a:t>
+              <a:t>                                                       </a:t>
             </a:r>
             <a:r>
               <a:rPr lang="en-US" dirty="0" err="1"/>
